--- a/Java Урок 9 Масиви. Алгоритми пошуку.pptx
+++ b/Java Урок 9 Масиви. Алгоритми пошуку.pptx
@@ -213,7 +213,7 @@
           <a:p>
             <a:fld id="{55620FFB-2977-496E-97EE-5397C784D188}" type="datetimeFigureOut">
               <a:rPr lang="uk-UA" smtClean="0"/>
-              <a:t>22.12.2023</a:t>
+              <a:t>28.02.2024</a:t>
             </a:fld>
             <a:endParaRPr lang="uk-UA"/>
           </a:p>
@@ -630,7 +630,7 @@
           <a:p>
             <a:fld id="{3F14F2C1-8508-4FC5-B216-F458F5DBB449}" type="datetimeFigureOut">
               <a:rPr lang="uk-UA" smtClean="0"/>
-              <a:t>22.12.2023</a:t>
+              <a:t>28.02.2024</a:t>
             </a:fld>
             <a:endParaRPr lang="uk-UA"/>
           </a:p>
@@ -830,7 +830,7 @@
           <a:p>
             <a:fld id="{3F14F2C1-8508-4FC5-B216-F458F5DBB449}" type="datetimeFigureOut">
               <a:rPr lang="uk-UA" smtClean="0"/>
-              <a:t>22.12.2023</a:t>
+              <a:t>28.02.2024</a:t>
             </a:fld>
             <a:endParaRPr lang="uk-UA"/>
           </a:p>
@@ -1040,7 +1040,7 @@
           <a:p>
             <a:fld id="{3F14F2C1-8508-4FC5-B216-F458F5DBB449}" type="datetimeFigureOut">
               <a:rPr lang="uk-UA" smtClean="0"/>
-              <a:t>22.12.2023</a:t>
+              <a:t>28.02.2024</a:t>
             </a:fld>
             <a:endParaRPr lang="uk-UA"/>
           </a:p>
@@ -1240,7 +1240,7 @@
           <a:p>
             <a:fld id="{3F14F2C1-8508-4FC5-B216-F458F5DBB449}" type="datetimeFigureOut">
               <a:rPr lang="uk-UA" smtClean="0"/>
-              <a:t>22.12.2023</a:t>
+              <a:t>28.02.2024</a:t>
             </a:fld>
             <a:endParaRPr lang="uk-UA"/>
           </a:p>
@@ -1516,7 +1516,7 @@
           <a:p>
             <a:fld id="{3F14F2C1-8508-4FC5-B216-F458F5DBB449}" type="datetimeFigureOut">
               <a:rPr lang="uk-UA" smtClean="0"/>
-              <a:t>22.12.2023</a:t>
+              <a:t>28.02.2024</a:t>
             </a:fld>
             <a:endParaRPr lang="uk-UA"/>
           </a:p>
@@ -1784,7 +1784,7 @@
           <a:p>
             <a:fld id="{3F14F2C1-8508-4FC5-B216-F458F5DBB449}" type="datetimeFigureOut">
               <a:rPr lang="uk-UA" smtClean="0"/>
-              <a:t>22.12.2023</a:t>
+              <a:t>28.02.2024</a:t>
             </a:fld>
             <a:endParaRPr lang="uk-UA"/>
           </a:p>
@@ -2199,7 +2199,7 @@
           <a:p>
             <a:fld id="{3F14F2C1-8508-4FC5-B216-F458F5DBB449}" type="datetimeFigureOut">
               <a:rPr lang="uk-UA" smtClean="0"/>
-              <a:t>22.12.2023</a:t>
+              <a:t>28.02.2024</a:t>
             </a:fld>
             <a:endParaRPr lang="uk-UA"/>
           </a:p>
@@ -2341,7 +2341,7 @@
           <a:p>
             <a:fld id="{3F14F2C1-8508-4FC5-B216-F458F5DBB449}" type="datetimeFigureOut">
               <a:rPr lang="uk-UA" smtClean="0"/>
-              <a:t>22.12.2023</a:t>
+              <a:t>28.02.2024</a:t>
             </a:fld>
             <a:endParaRPr lang="uk-UA"/>
           </a:p>
@@ -2454,7 +2454,7 @@
           <a:p>
             <a:fld id="{3F14F2C1-8508-4FC5-B216-F458F5DBB449}" type="datetimeFigureOut">
               <a:rPr lang="uk-UA" smtClean="0"/>
-              <a:t>22.12.2023</a:t>
+              <a:t>28.02.2024</a:t>
             </a:fld>
             <a:endParaRPr lang="uk-UA"/>
           </a:p>
@@ -2767,7 +2767,7 @@
           <a:p>
             <a:fld id="{3F14F2C1-8508-4FC5-B216-F458F5DBB449}" type="datetimeFigureOut">
               <a:rPr lang="uk-UA" smtClean="0"/>
-              <a:t>22.12.2023</a:t>
+              <a:t>28.02.2024</a:t>
             </a:fld>
             <a:endParaRPr lang="uk-UA"/>
           </a:p>
@@ -3056,7 +3056,7 @@
           <a:p>
             <a:fld id="{3F14F2C1-8508-4FC5-B216-F458F5DBB449}" type="datetimeFigureOut">
               <a:rPr lang="uk-UA" smtClean="0"/>
-              <a:t>22.12.2023</a:t>
+              <a:t>28.02.2024</a:t>
             </a:fld>
             <a:endParaRPr lang="uk-UA"/>
           </a:p>
@@ -3299,7 +3299,7 @@
           <a:p>
             <a:fld id="{3F14F2C1-8508-4FC5-B216-F458F5DBB449}" type="datetimeFigureOut">
               <a:rPr lang="uk-UA" smtClean="0"/>
-              <a:t>22.12.2023</a:t>
+              <a:t>28.02.2024</a:t>
             </a:fld>
             <a:endParaRPr lang="uk-UA"/>
           </a:p>
